--- a/docs/manuscripts/euc manuscript/figs/multiple regression surface plots.pptx
+++ b/docs/manuscripts/euc manuscript/figs/multiple regression surface plots.pptx
@@ -105,6 +105,11 @@
       </a:defRPr>
     </a:lvl9pPr>
   </p:defaultTextStyle>
+  <p:extLst>
+    <p:ext uri="{EFAFB233-063F-42B5-8137-9DF3F51BA10A}">
+      <p15:sldGuideLst xmlns:p15="http://schemas.microsoft.com/office/powerpoint/2012/main"/>
+    </p:ext>
+  </p:extLst>
 </p:presentation>
 </file>
 
@@ -239,7 +244,7 @@
           <a:p>
             <a:fld id="{0F0ABB8C-1A83-42DF-95D8-85C9E1452C18}" type="datetimeFigureOut">
               <a:rPr lang="en-AU" smtClean="0"/>
-              <a:t>24/11/2017</a:t>
+              <a:t>14/02/2018</a:t>
             </a:fld>
             <a:endParaRPr lang="en-AU"/>
           </a:p>
@@ -409,7 +414,7 @@
           <a:p>
             <a:fld id="{0F0ABB8C-1A83-42DF-95D8-85C9E1452C18}" type="datetimeFigureOut">
               <a:rPr lang="en-AU" smtClean="0"/>
-              <a:t>24/11/2017</a:t>
+              <a:t>14/02/2018</a:t>
             </a:fld>
             <a:endParaRPr lang="en-AU"/>
           </a:p>
@@ -589,7 +594,7 @@
           <a:p>
             <a:fld id="{0F0ABB8C-1A83-42DF-95D8-85C9E1452C18}" type="datetimeFigureOut">
               <a:rPr lang="en-AU" smtClean="0"/>
-              <a:t>24/11/2017</a:t>
+              <a:t>14/02/2018</a:t>
             </a:fld>
             <a:endParaRPr lang="en-AU"/>
           </a:p>
@@ -759,7 +764,7 @@
           <a:p>
             <a:fld id="{0F0ABB8C-1A83-42DF-95D8-85C9E1452C18}" type="datetimeFigureOut">
               <a:rPr lang="en-AU" smtClean="0"/>
-              <a:t>24/11/2017</a:t>
+              <a:t>14/02/2018</a:t>
             </a:fld>
             <a:endParaRPr lang="en-AU"/>
           </a:p>
@@ -1005,7 +1010,7 @@
           <a:p>
             <a:fld id="{0F0ABB8C-1A83-42DF-95D8-85C9E1452C18}" type="datetimeFigureOut">
               <a:rPr lang="en-AU" smtClean="0"/>
-              <a:t>24/11/2017</a:t>
+              <a:t>14/02/2018</a:t>
             </a:fld>
             <a:endParaRPr lang="en-AU"/>
           </a:p>
@@ -1237,7 +1242,7 @@
           <a:p>
             <a:fld id="{0F0ABB8C-1A83-42DF-95D8-85C9E1452C18}" type="datetimeFigureOut">
               <a:rPr lang="en-AU" smtClean="0"/>
-              <a:t>24/11/2017</a:t>
+              <a:t>14/02/2018</a:t>
             </a:fld>
             <a:endParaRPr lang="en-AU"/>
           </a:p>
@@ -1604,7 +1609,7 @@
           <a:p>
             <a:fld id="{0F0ABB8C-1A83-42DF-95D8-85C9E1452C18}" type="datetimeFigureOut">
               <a:rPr lang="en-AU" smtClean="0"/>
-              <a:t>24/11/2017</a:t>
+              <a:t>14/02/2018</a:t>
             </a:fld>
             <a:endParaRPr lang="en-AU"/>
           </a:p>
@@ -1722,7 +1727,7 @@
           <a:p>
             <a:fld id="{0F0ABB8C-1A83-42DF-95D8-85C9E1452C18}" type="datetimeFigureOut">
               <a:rPr lang="en-AU" smtClean="0"/>
-              <a:t>24/11/2017</a:t>
+              <a:t>14/02/2018</a:t>
             </a:fld>
             <a:endParaRPr lang="en-AU"/>
           </a:p>
@@ -1817,7 +1822,7 @@
           <a:p>
             <a:fld id="{0F0ABB8C-1A83-42DF-95D8-85C9E1452C18}" type="datetimeFigureOut">
               <a:rPr lang="en-AU" smtClean="0"/>
-              <a:t>24/11/2017</a:t>
+              <a:t>14/02/2018</a:t>
             </a:fld>
             <a:endParaRPr lang="en-AU"/>
           </a:p>
@@ -2094,7 +2099,7 @@
           <a:p>
             <a:fld id="{0F0ABB8C-1A83-42DF-95D8-85C9E1452C18}" type="datetimeFigureOut">
               <a:rPr lang="en-AU" smtClean="0"/>
-              <a:t>24/11/2017</a:t>
+              <a:t>14/02/2018</a:t>
             </a:fld>
             <a:endParaRPr lang="en-AU"/>
           </a:p>
@@ -2347,7 +2352,7 @@
           <a:p>
             <a:fld id="{0F0ABB8C-1A83-42DF-95D8-85C9E1452C18}" type="datetimeFigureOut">
               <a:rPr lang="en-AU" smtClean="0"/>
-              <a:t>24/11/2017</a:t>
+              <a:t>14/02/2018</a:t>
             </a:fld>
             <a:endParaRPr lang="en-AU"/>
           </a:p>
@@ -2560,7 +2565,7 @@
           <a:p>
             <a:fld id="{0F0ABB8C-1A83-42DF-95D8-85C9E1452C18}" type="datetimeFigureOut">
               <a:rPr lang="en-AU" smtClean="0"/>
-              <a:t>24/11/2017</a:t>
+              <a:t>14/02/2018</a:t>
             </a:fld>
             <a:endParaRPr lang="en-AU"/>
           </a:p>
@@ -2981,7 +2986,7 @@
         </p:blipFill>
         <p:spPr>
           <a:xfrm>
-            <a:off x="2812708" y="316992"/>
+            <a:off x="138088" y="202692"/>
             <a:ext cx="3192330" cy="2180336"/>
           </a:xfrm>
           <a:prstGeom prst="rect">
@@ -3005,7 +3010,7 @@
         </p:blipFill>
         <p:spPr>
           <a:xfrm>
-            <a:off x="2812708" y="2497328"/>
+            <a:off x="138088" y="2383028"/>
             <a:ext cx="3192330" cy="2180336"/>
           </a:xfrm>
           <a:prstGeom prst="rect">
@@ -3029,7 +3034,7 @@
         </p:blipFill>
         <p:spPr>
           <a:xfrm>
-            <a:off x="2812708" y="4677664"/>
+            <a:off x="138088" y="4563364"/>
             <a:ext cx="3192330" cy="2180336"/>
           </a:xfrm>
           <a:prstGeom prst="rect">
@@ -3053,7 +3058,7 @@
         </p:blipFill>
         <p:spPr>
           <a:xfrm>
-            <a:off x="6615781" y="316992"/>
+            <a:off x="3941161" y="202692"/>
             <a:ext cx="3192330" cy="2180336"/>
           </a:xfrm>
           <a:prstGeom prst="rect">
@@ -3077,7 +3082,7 @@
         </p:blipFill>
         <p:spPr>
           <a:xfrm>
-            <a:off x="6615781" y="2497328"/>
+            <a:off x="3941161" y="2383028"/>
             <a:ext cx="3192330" cy="2180336"/>
           </a:xfrm>
           <a:prstGeom prst="rect">
@@ -3101,8 +3106,80 @@
         </p:blipFill>
         <p:spPr>
           <a:xfrm>
-            <a:off x="6615781" y="4677664"/>
+            <a:off x="3941161" y="4563364"/>
             <a:ext cx="3192330" cy="2180336"/>
+          </a:xfrm>
+          <a:prstGeom prst="rect">
+            <a:avLst/>
+          </a:prstGeom>
+        </p:spPr>
+      </p:pic>
+      <p:pic>
+        <p:nvPicPr>
+          <p:cNvPr id="10" name="Picture 9"/>
+          <p:cNvPicPr>
+            <a:picLocks noChangeAspect="1"/>
+          </p:cNvPicPr>
+          <p:nvPr/>
+        </p:nvPicPr>
+        <p:blipFill>
+          <a:blip r:embed="rId4"/>
+          <a:stretch>
+            <a:fillRect/>
+          </a:stretch>
+        </p:blipFill>
+        <p:spPr>
+          <a:xfrm>
+            <a:off x="7492081" y="4563364"/>
+            <a:ext cx="3192330" cy="2180336"/>
+          </a:xfrm>
+          <a:prstGeom prst="rect">
+            <a:avLst/>
+          </a:prstGeom>
+        </p:spPr>
+      </p:pic>
+      <p:pic>
+        <p:nvPicPr>
+          <p:cNvPr id="2" name="Picture 1"/>
+          <p:cNvPicPr>
+            <a:picLocks noChangeAspect="1"/>
+          </p:cNvPicPr>
+          <p:nvPr/>
+        </p:nvPicPr>
+        <p:blipFill>
+          <a:blip r:embed="rId7"/>
+          <a:stretch>
+            <a:fillRect/>
+          </a:stretch>
+        </p:blipFill>
+        <p:spPr>
+          <a:xfrm>
+            <a:off x="7492081" y="2365263"/>
+            <a:ext cx="3192330" cy="2198101"/>
+          </a:xfrm>
+          <a:prstGeom prst="rect">
+            <a:avLst/>
+          </a:prstGeom>
+        </p:spPr>
+      </p:pic>
+      <p:pic>
+        <p:nvPicPr>
+          <p:cNvPr id="11" name="Picture 10"/>
+          <p:cNvPicPr>
+            <a:picLocks noChangeAspect="1"/>
+          </p:cNvPicPr>
+          <p:nvPr/>
+        </p:nvPicPr>
+        <p:blipFill>
+          <a:blip r:embed="rId8"/>
+          <a:stretch>
+            <a:fillRect/>
+          </a:stretch>
+        </p:blipFill>
+        <p:spPr>
+          <a:xfrm>
+            <a:off x="7492081" y="184927"/>
+            <a:ext cx="3192330" cy="2320475"/>
           </a:xfrm>
           <a:prstGeom prst="rect">
             <a:avLst/>
@@ -3147,7 +3224,7 @@
         </p:nvSpPr>
         <p:spPr>
           <a:xfrm>
-            <a:off x="281448" y="-3754874"/>
+            <a:off x="-5683924" y="-3217846"/>
             <a:ext cx="6096000" cy="3754874"/>
           </a:xfrm>
           <a:prstGeom prst="rect">
@@ -3295,7 +3372,7 @@
         </p:nvSpPr>
         <p:spPr>
           <a:xfrm>
-            <a:off x="281448" y="503377"/>
+            <a:off x="-5683924" y="1040405"/>
             <a:ext cx="6096000" cy="3970318"/>
           </a:xfrm>
           <a:prstGeom prst="rect">
@@ -3449,7 +3526,7 @@
         </p:nvSpPr>
         <p:spPr>
           <a:xfrm>
-            <a:off x="281448" y="4977072"/>
+            <a:off x="-5683924" y="5514100"/>
             <a:ext cx="6096000" cy="3970318"/>
           </a:xfrm>
           <a:prstGeom prst="rect">
@@ -3597,315 +3674,886 @@
       </p:sp>
       <p:sp>
         <p:nvSpPr>
-          <p:cNvPr id="7" name="Rectangle 6"/>
-          <p:cNvSpPr/>
+          <p:cNvPr id="2" name="TextBox 1"/>
+          <p:cNvSpPr txBox="1"/>
           <p:nvPr/>
         </p:nvSpPr>
         <p:spPr>
           <a:xfrm>
-            <a:off x="6377448" y="-3754874"/>
-            <a:ext cx="6096000" cy="3754874"/>
+            <a:off x="9042400" y="1040405"/>
+            <a:ext cx="9608457" cy="3970318"/>
           </a:xfrm>
           <a:prstGeom prst="rect">
             <a:avLst/>
           </a:prstGeom>
+          <a:noFill/>
         </p:spPr>
         <p:txBody>
-          <a:bodyPr>
+          <a:bodyPr wrap="square" rtlCol="0">
             <a:spAutoFit/>
           </a:bodyPr>
           <a:lstStyle/>
           <a:p>
             <a:r>
               <a:rPr lang="en-AU" sz="1400" b="1" dirty="0" smtClean="0"/>
-              <a:t>lm(formula = </a:t>
-            </a:r>
-            <a:r>
-              <a:rPr lang="en-AU" sz="1400" b="1" dirty="0" err="1" smtClean="0"/>
-              <a:t>calv_mean</a:t>
-            </a:r>
-            <a:r>
-              <a:rPr lang="en-AU" sz="1400" b="1" dirty="0" smtClean="0"/>
-              <a:t> ~ </a:t>
-            </a:r>
-            <a:r>
-              <a:rPr lang="en-AU" sz="1400" b="1" dirty="0" err="1" smtClean="0"/>
+              <a:t>lm(formula </a:t>
+            </a:r>
+            <a:r>
+              <a:rPr lang="en-AU" sz="1400" b="1" dirty="0"/>
+              <a:t>= </a:t>
+            </a:r>
+            <a:r>
+              <a:rPr lang="en-AU" sz="1400" b="1" dirty="0" err="1"/>
+              <a:t>leaf_protein_content_PS</a:t>
+            </a:r>
+            <a:r>
+              <a:rPr lang="en-AU" sz="1400" b="1" dirty="0"/>
+              <a:t> ~ log10prec * </a:t>
+            </a:r>
+            <a:r>
+              <a:rPr lang="en-AU" sz="1400" b="1" dirty="0" err="1"/>
               <a:t>tavg</a:t>
             </a:r>
             <a:r>
-              <a:rPr lang="en-AU" sz="1400" b="1" dirty="0" smtClean="0"/>
-              <a:t> + log10prec, data = data)</a:t>
-            </a:r>
-          </a:p>
-          <a:p>
-            <a:endParaRPr lang="en-AU" sz="1400" dirty="0" smtClean="0"/>
-          </a:p>
-          <a:p>
-            <a:r>
-              <a:rPr lang="en-AU" sz="1400" dirty="0" smtClean="0"/>
+              <a:rPr lang="en-AU" sz="1400" b="1" dirty="0"/>
+              <a:t>, data = data)</a:t>
+            </a:r>
+          </a:p>
+          <a:p>
+            <a:endParaRPr lang="en-AU" sz="1400" dirty="0"/>
+          </a:p>
+          <a:p>
+            <a:r>
+              <a:rPr lang="en-AU" sz="1400" dirty="0"/>
               <a:t>Residuals:</a:t>
             </a:r>
           </a:p>
           <a:p>
             <a:r>
-              <a:rPr lang="en-AU" sz="1400" dirty="0" smtClean="0"/>
-              <a:t>    Min      1Q  Median      3Q     Max </a:t>
-            </a:r>
-          </a:p>
-          <a:p>
-            <a:r>
-              <a:rPr lang="en-AU" sz="1400" dirty="0" smtClean="0"/>
-              <a:t>-3067.0 -1151.5    10.3  1164.3  3989.2 </a:t>
-            </a:r>
-          </a:p>
-          <a:p>
-            <a:endParaRPr lang="en-AU" sz="1400" dirty="0" smtClean="0"/>
-          </a:p>
-          <a:p>
-            <a:r>
-              <a:rPr lang="en-AU" sz="1400" dirty="0" smtClean="0"/>
+              <a:rPr lang="en-AU" sz="1400" dirty="0"/>
+              <a:t>       Min         1Q     Median         3Q        Max </a:t>
+            </a:r>
+          </a:p>
+          <a:p>
+            <a:r>
+              <a:rPr lang="en-AU" sz="1400" dirty="0"/>
+              <a:t>-0.0085160 -0.0030634  0.0002078  0.0016829  0.0089146 </a:t>
+            </a:r>
+          </a:p>
+          <a:p>
+            <a:endParaRPr lang="en-AU" sz="1400" dirty="0"/>
+          </a:p>
+          <a:p>
+            <a:r>
+              <a:rPr lang="en-AU" sz="1400" dirty="0"/>
               <a:t>Coefficients:</a:t>
             </a:r>
           </a:p>
           <a:p>
             <a:r>
-              <a:rPr lang="en-AU" sz="1400" dirty="0" smtClean="0"/>
-              <a:t>            Estimate Std. Error t value </a:t>
-            </a:r>
-            <a:r>
-              <a:rPr lang="en-AU" sz="1400" dirty="0" err="1" smtClean="0"/>
+              <a:rPr lang="en-AU" sz="1400" dirty="0"/>
+              <a:t>                 Estimate Std. Error t value </a:t>
+            </a:r>
+            <a:r>
+              <a:rPr lang="en-AU" sz="1400" dirty="0" err="1"/>
               <a:t>Pr</a:t>
             </a:r>
             <a:r>
-              <a:rPr lang="en-AU" sz="1400" dirty="0" smtClean="0"/>
+              <a:rPr lang="en-AU" sz="1400" dirty="0"/>
               <a:t>(&gt;|t|)    </a:t>
             </a:r>
           </a:p>
           <a:p>
             <a:r>
-              <a:rPr lang="en-AU" sz="1400" dirty="0" smtClean="0"/>
-              <a:t>(Intercept) 14503.84     904.55  16.034  &lt; 2e-16 ***</a:t>
-            </a:r>
-          </a:p>
-          <a:p>
-            <a:r>
-              <a:rPr lang="en-AU" sz="1400" dirty="0" err="1" smtClean="0"/>
+              <a:rPr lang="en-AU" sz="1400" dirty="0"/>
+              <a:t>(Intercept)     0.0206617  0.0023728   8.708 5.97e-10 ***</a:t>
+            </a:r>
+          </a:p>
+          <a:p>
+            <a:r>
+              <a:rPr lang="en-AU" sz="1400" dirty="0"/>
+              <a:t>log10prec      -0.0489781  0.0119360  -4.103 0.000262 ***</a:t>
+            </a:r>
+          </a:p>
+          <a:p>
+            <a:r>
+              <a:rPr lang="en-AU" sz="1400" dirty="0" err="1"/>
               <a:t>tavg</a:t>
             </a:r>
             <a:r>
-              <a:rPr lang="en-AU" sz="1400" dirty="0" smtClean="0"/>
-              <a:t>         -264.48      48.09  -5.500 4.21e-06 ***</a:t>
-            </a:r>
-          </a:p>
-          <a:p>
-            <a:r>
-              <a:rPr lang="en-AU" sz="1400" dirty="0" smtClean="0"/>
-              <a:t>log10prec   -3583.82    1095.56  -3.271  0.00251 ** </a:t>
-            </a:r>
-          </a:p>
-          <a:p>
-            <a:r>
-              <a:rPr lang="en-AU" sz="1400" dirty="0" smtClean="0"/>
+              <a:rPr lang="en-AU" sz="1400" dirty="0"/>
+              <a:t>           -0.0001183  0.0001256  -0.942 0.353280    </a:t>
+            </a:r>
+          </a:p>
+          <a:p>
+            <a:r>
+              <a:rPr lang="en-AU" sz="1400" dirty="0"/>
+              <a:t>log10prec:tavg  0.0029242  0.0005912   4.947 2.32e-05 ***</a:t>
+            </a:r>
+          </a:p>
+          <a:p>
+            <a:r>
+              <a:rPr lang="en-AU" sz="1400" dirty="0"/>
               <a:t>---</a:t>
             </a:r>
           </a:p>
           <a:p>
             <a:r>
-              <a:rPr lang="en-AU" sz="1400" dirty="0" err="1" smtClean="0"/>
+              <a:rPr lang="en-AU" sz="1400" dirty="0" err="1"/>
               <a:t>Signif</a:t>
             </a:r>
             <a:r>
-              <a:rPr lang="en-AU" sz="1400" dirty="0" smtClean="0"/>
+              <a:rPr lang="en-AU" sz="1400" dirty="0"/>
               <a:t>. codes:  0 ‘***’ 0.001 ‘**’ 0.01 ‘*’ 0.05 ‘.’ 0.1 ‘ ’ 1</a:t>
             </a:r>
           </a:p>
           <a:p>
-            <a:endParaRPr lang="en-AU" sz="1400" dirty="0" smtClean="0"/>
-          </a:p>
-          <a:p>
-            <a:r>
-              <a:rPr lang="en-AU" sz="1400" dirty="0" smtClean="0"/>
-              <a:t>Residual standard error: 1683 on 33 degrees of freedom</a:t>
-            </a:r>
-          </a:p>
-          <a:p>
-            <a:r>
-              <a:rPr lang="en-AU" sz="1400" dirty="0" smtClean="0"/>
-              <a:t>Multiple R-squared:  0.5647,	Adjusted R-squared:  0.5384 </a:t>
-            </a:r>
-          </a:p>
-          <a:p>
-            <a:r>
-              <a:rPr lang="en-AU" sz="1400" dirty="0" smtClean="0"/>
-              <a:t>F-statistic: 21.41 on 2 and 33 DF,  p-value: 1.095e-06</a:t>
-            </a:r>
             <a:endParaRPr lang="en-AU" sz="1400" dirty="0"/>
           </a:p>
-        </p:txBody>
-      </p:sp>
-      <p:sp>
-        <p:nvSpPr>
-          <p:cNvPr id="8" name="Rectangle 7"/>
-          <p:cNvSpPr/>
+          <a:p>
+            <a:r>
+              <a:rPr lang="en-AU" sz="1400" dirty="0"/>
+              <a:t>Residual standard error: 0.004385 on 32 degrees of freedom</a:t>
+            </a:r>
+          </a:p>
+          <a:p>
+            <a:r>
+              <a:rPr lang="en-AU" sz="1400" dirty="0"/>
+              <a:t>Multiple R-squared:  0.5185,	Adjusted R-squared:  0.4734 </a:t>
+            </a:r>
+          </a:p>
+          <a:p>
+            <a:r>
+              <a:rPr lang="en-AU" sz="1400" dirty="0"/>
+              <a:t>F-statistic: 11.49 on 3 and 32 DF,  p-value: 2.848e-05</a:t>
+            </a:r>
+          </a:p>
+        </p:txBody>
+      </p:sp>
+      <p:sp>
+        <p:nvSpPr>
+          <p:cNvPr id="10" name="TextBox 9"/>
+          <p:cNvSpPr txBox="1"/>
           <p:nvPr/>
         </p:nvSpPr>
         <p:spPr>
           <a:xfrm>
-            <a:off x="6377448" y="503377"/>
-            <a:ext cx="6096000" cy="3970318"/>
+            <a:off x="-4891314" y="-4833257"/>
+            <a:ext cx="1727200" cy="369332"/>
           </a:xfrm>
           <a:prstGeom prst="rect">
             <a:avLst/>
           </a:prstGeom>
+          <a:noFill/>
         </p:spPr>
         <p:txBody>
-          <a:bodyPr>
+          <a:bodyPr wrap="square" rtlCol="0">
             <a:spAutoFit/>
           </a:bodyPr>
           <a:lstStyle/>
           <a:p>
             <a:r>
-              <a:rPr lang="en-AU" sz="1400" b="1" dirty="0" smtClean="0"/>
+              <a:rPr lang="en-AU" b="1" dirty="0" smtClean="0"/>
+              <a:t>TOTAL PROTEIN</a:t>
+            </a:r>
+            <a:endParaRPr lang="en-AU" b="1" dirty="0"/>
+          </a:p>
+        </p:txBody>
+      </p:sp>
+      <p:grpSp>
+        <p:nvGrpSpPr>
+          <p:cNvPr id="17" name="Group 16"/>
+          <p:cNvGrpSpPr/>
+          <p:nvPr/>
+        </p:nvGrpSpPr>
+        <p:grpSpPr>
+          <a:xfrm>
+            <a:off x="1805448" y="-4463925"/>
+            <a:ext cx="6096000" cy="14317675"/>
+            <a:chOff x="2052191" y="-4833257"/>
+            <a:chExt cx="6096000" cy="14317675"/>
+          </a:xfrm>
+        </p:grpSpPr>
+        <p:sp>
+          <p:nvSpPr>
+            <p:cNvPr id="7" name="Rectangle 6"/>
+            <p:cNvSpPr/>
+            <p:nvPr/>
+          </p:nvSpPr>
+          <p:spPr>
+            <a:xfrm>
+              <a:off x="2052191" y="-3217846"/>
+              <a:ext cx="6096000" cy="3754874"/>
+            </a:xfrm>
+            <a:prstGeom prst="rect">
+              <a:avLst/>
+            </a:prstGeom>
+          </p:spPr>
+          <p:txBody>
+            <a:bodyPr>
+              <a:spAutoFit/>
+            </a:bodyPr>
+            <a:lstStyle/>
+            <a:p>
+              <a:r>
+                <a:rPr lang="en-AU" sz="1400" b="1" dirty="0" smtClean="0"/>
+                <a:t>lm(formula = </a:t>
+              </a:r>
+              <a:r>
+                <a:rPr lang="en-AU" sz="1400" b="1" dirty="0" err="1" smtClean="0"/>
+                <a:t>calv_mean</a:t>
+              </a:r>
+              <a:r>
+                <a:rPr lang="en-AU" sz="1400" b="1" dirty="0" smtClean="0"/>
+                <a:t> ~ </a:t>
+              </a:r>
+              <a:r>
+                <a:rPr lang="en-AU" sz="1400" b="1" dirty="0" err="1" smtClean="0"/>
+                <a:t>tavg</a:t>
+              </a:r>
+              <a:r>
+                <a:rPr lang="en-AU" sz="1400" b="1" dirty="0" smtClean="0"/>
+                <a:t> + log10prec, data = data)</a:t>
+              </a:r>
+            </a:p>
+            <a:p>
+              <a:endParaRPr lang="en-AU" sz="1400" dirty="0" smtClean="0"/>
+            </a:p>
+            <a:p>
+              <a:r>
+                <a:rPr lang="en-AU" sz="1400" dirty="0" smtClean="0"/>
+                <a:t>Residuals:</a:t>
+              </a:r>
+            </a:p>
+            <a:p>
+              <a:r>
+                <a:rPr lang="en-AU" sz="1400" dirty="0" smtClean="0"/>
+                <a:t>    Min      1Q  Median      3Q     Max </a:t>
+              </a:r>
+            </a:p>
+            <a:p>
+              <a:r>
+                <a:rPr lang="en-AU" sz="1400" dirty="0" smtClean="0"/>
+                <a:t>-3067.0 -1151.5    10.3  1164.3  3989.2 </a:t>
+              </a:r>
+            </a:p>
+            <a:p>
+              <a:endParaRPr lang="en-AU" sz="1400" dirty="0" smtClean="0"/>
+            </a:p>
+            <a:p>
+              <a:r>
+                <a:rPr lang="en-AU" sz="1400" dirty="0" smtClean="0"/>
+                <a:t>Coefficients:</a:t>
+              </a:r>
+            </a:p>
+            <a:p>
+              <a:r>
+                <a:rPr lang="en-AU" sz="1400" dirty="0" smtClean="0"/>
+                <a:t>            Estimate Std. Error t value </a:t>
+              </a:r>
+              <a:r>
+                <a:rPr lang="en-AU" sz="1400" dirty="0" err="1" smtClean="0"/>
+                <a:t>Pr</a:t>
+              </a:r>
+              <a:r>
+                <a:rPr lang="en-AU" sz="1400" dirty="0" smtClean="0"/>
+                <a:t>(&gt;|t|)    </a:t>
+              </a:r>
+            </a:p>
+            <a:p>
+              <a:r>
+                <a:rPr lang="en-AU" sz="1400" dirty="0" smtClean="0"/>
+                <a:t>(Intercept) 14503.84     904.55  16.034  &lt; 2e-16 ***</a:t>
+              </a:r>
+            </a:p>
+            <a:p>
+              <a:r>
+                <a:rPr lang="en-AU" sz="1400" dirty="0" err="1" smtClean="0"/>
+                <a:t>tavg</a:t>
+              </a:r>
+              <a:r>
+                <a:rPr lang="en-AU" sz="1400" dirty="0" smtClean="0"/>
+                <a:t>         -264.48      48.09  -5.500 4.21e-06 ***</a:t>
+              </a:r>
+            </a:p>
+            <a:p>
+              <a:r>
+                <a:rPr lang="en-AU" sz="1400" dirty="0" smtClean="0"/>
+                <a:t>log10prec   -3583.82    1095.56  -3.271  0.00251 ** </a:t>
+              </a:r>
+            </a:p>
+            <a:p>
+              <a:r>
+                <a:rPr lang="en-AU" sz="1400" dirty="0" smtClean="0"/>
+                <a:t>---</a:t>
+              </a:r>
+            </a:p>
+            <a:p>
+              <a:r>
+                <a:rPr lang="en-AU" sz="1400" dirty="0" err="1" smtClean="0"/>
+                <a:t>Signif</a:t>
+              </a:r>
+              <a:r>
+                <a:rPr lang="en-AU" sz="1400" dirty="0" smtClean="0"/>
+                <a:t>. codes:  0 ‘***’ 0.001 ‘**’ 0.01 ‘*’ 0.05 ‘.’ 0.1 ‘ ’ 1</a:t>
+              </a:r>
+            </a:p>
+            <a:p>
+              <a:endParaRPr lang="en-AU" sz="1400" dirty="0" smtClean="0"/>
+            </a:p>
+            <a:p>
+              <a:r>
+                <a:rPr lang="en-AU" sz="1400" dirty="0" smtClean="0"/>
+                <a:t>Residual standard error: 1683 on 33 degrees of freedom</a:t>
+              </a:r>
+            </a:p>
+            <a:p>
+              <a:r>
+                <a:rPr lang="en-AU" sz="1400" dirty="0" smtClean="0"/>
+                <a:t>Multiple R-squared:  0.5647,	Adjusted R-squared:  0.5384 </a:t>
+              </a:r>
+            </a:p>
+            <a:p>
+              <a:r>
+                <a:rPr lang="en-AU" sz="1400" dirty="0" smtClean="0"/>
+                <a:t>F-statistic: 21.41 on 2 and 33 DF,  p-value: 1.095e-06</a:t>
+              </a:r>
+              <a:endParaRPr lang="en-AU" sz="1400" dirty="0"/>
+            </a:p>
+          </p:txBody>
+        </p:sp>
+        <p:sp>
+          <p:nvSpPr>
+            <p:cNvPr id="8" name="Rectangle 7"/>
+            <p:cNvSpPr/>
+            <p:nvPr/>
+          </p:nvSpPr>
+          <p:spPr>
+            <a:xfrm>
+              <a:off x="2052191" y="1040405"/>
+              <a:ext cx="6096000" cy="3970318"/>
+            </a:xfrm>
+            <a:prstGeom prst="rect">
+              <a:avLst/>
+            </a:prstGeom>
+          </p:spPr>
+          <p:txBody>
+            <a:bodyPr>
+              <a:spAutoFit/>
+            </a:bodyPr>
+            <a:lstStyle/>
+            <a:p>
+              <a:r>
+                <a:rPr lang="en-AU" sz="1400" b="1" dirty="0" smtClean="0"/>
+                <a:t>lm(formula = </a:t>
+              </a:r>
+              <a:r>
+                <a:rPr lang="en-AU" sz="1400" b="1" dirty="0" err="1" smtClean="0"/>
+                <a:t>leaf_protein_content_calv</a:t>
+              </a:r>
+              <a:r>
+                <a:rPr lang="en-AU" sz="1400" b="1" dirty="0" smtClean="0"/>
+                <a:t> ~ log10prec * </a:t>
+              </a:r>
+              <a:r>
+                <a:rPr lang="en-AU" sz="1400" b="1" dirty="0" err="1" smtClean="0"/>
+                <a:t>tavg</a:t>
+              </a:r>
+              <a:r>
+                <a:rPr lang="en-AU" sz="1400" b="1" dirty="0" smtClean="0"/>
+                <a:t>, data = data)</a:t>
+              </a:r>
+            </a:p>
+            <a:p>
+              <a:endParaRPr lang="en-AU" sz="1400" dirty="0" smtClean="0"/>
+            </a:p>
+            <a:p>
+              <a:r>
+                <a:rPr lang="en-AU" sz="1400" dirty="0" smtClean="0"/>
+                <a:t>Residuals:</a:t>
+              </a:r>
+            </a:p>
+            <a:p>
+              <a:r>
+                <a:rPr lang="en-AU" sz="1400" dirty="0" smtClean="0"/>
+                <a:t>      Min        1Q    Median        3Q       Max </a:t>
+              </a:r>
+            </a:p>
+            <a:p>
+              <a:r>
+                <a:rPr lang="en-AU" sz="1400" dirty="0" smtClean="0"/>
+                <a:t>-0.018048 -0.005486  0.001328  0.004718  0.016360 </a:t>
+              </a:r>
+            </a:p>
+            <a:p>
+              <a:endParaRPr lang="en-AU" sz="1400" dirty="0" smtClean="0"/>
+            </a:p>
+            <a:p>
+              <a:r>
+                <a:rPr lang="en-AU" sz="1400" dirty="0" smtClean="0"/>
+                <a:t>Coefficients:</a:t>
+              </a:r>
+            </a:p>
+            <a:p>
+              <a:r>
+                <a:rPr lang="en-AU" sz="1400" dirty="0" smtClean="0"/>
+                <a:t>                 Estimate Std. Error t value </a:t>
+              </a:r>
+              <a:r>
+                <a:rPr lang="en-AU" sz="1400" dirty="0" err="1" smtClean="0"/>
+                <a:t>Pr</a:t>
+              </a:r>
+              <a:r>
+                <a:rPr lang="en-AU" sz="1400" dirty="0" smtClean="0"/>
+                <a:t>(&gt;|t|)    </a:t>
+              </a:r>
+            </a:p>
+            <a:p>
+              <a:r>
+                <a:rPr lang="en-AU" sz="1400" dirty="0" smtClean="0"/>
+                <a:t>(Intercept)     0.0448830  0.0044311  10.129 1.66e-11 ***</a:t>
+              </a:r>
+            </a:p>
+            <a:p>
+              <a:r>
+                <a:rPr lang="en-AU" sz="1400" dirty="0" smtClean="0"/>
+                <a:t>log10prec      -0.0712276  0.0222904  -3.195  0.00313 ** </a:t>
+              </a:r>
+            </a:p>
+            <a:p>
+              <a:r>
+                <a:rPr lang="en-AU" sz="1400" dirty="0" err="1" smtClean="0"/>
+                <a:t>tavg</a:t>
+              </a:r>
+              <a:r>
+                <a:rPr lang="en-AU" sz="1400" dirty="0" smtClean="0"/>
+                <a:t>           -0.0003274  0.0002346  -1.395  0.17257    </a:t>
+              </a:r>
+            </a:p>
+            <a:p>
+              <a:r>
+                <a:rPr lang="en-AU" sz="1400" dirty="0" smtClean="0"/>
+                <a:t>log10prec:tavg  0.0037685  0.0011040   3.414  0.00176 ** </a:t>
+              </a:r>
+            </a:p>
+            <a:p>
+              <a:r>
+                <a:rPr lang="en-AU" sz="1400" dirty="0" smtClean="0"/>
+                <a:t>---</a:t>
+              </a:r>
+            </a:p>
+            <a:p>
+              <a:r>
+                <a:rPr lang="en-AU" sz="1400" dirty="0" err="1" smtClean="0"/>
+                <a:t>Signif</a:t>
+              </a:r>
+              <a:r>
+                <a:rPr lang="en-AU" sz="1400" dirty="0" smtClean="0"/>
+                <a:t>. codes:  0 ‘***’ 0.001 ‘**’ 0.01 ‘*’ 0.05 ‘.’ 0.1 ‘ ’ 1</a:t>
+              </a:r>
+            </a:p>
+            <a:p>
+              <a:endParaRPr lang="en-AU" sz="1400" dirty="0" smtClean="0"/>
+            </a:p>
+            <a:p>
+              <a:r>
+                <a:rPr lang="en-AU" sz="1400" dirty="0" smtClean="0"/>
+                <a:t>Residual standard error: 0.008189 on 32 degrees of freedom</a:t>
+              </a:r>
+            </a:p>
+            <a:p>
+              <a:r>
+                <a:rPr lang="en-AU" sz="1400" dirty="0" smtClean="0"/>
+                <a:t>Multiple R-squared:  0.3135,	Adjusted R-squared:  0.2491 </a:t>
+              </a:r>
+            </a:p>
+            <a:p>
+              <a:r>
+                <a:rPr lang="en-AU" sz="1400" dirty="0" smtClean="0"/>
+                <a:t>F-statistic: 4.871 on 3 and 32 DF,  p-value: 0.006679</a:t>
+              </a:r>
+              <a:endParaRPr lang="en-AU" sz="1400" dirty="0"/>
+            </a:p>
+          </p:txBody>
+        </p:sp>
+        <p:sp>
+          <p:nvSpPr>
+            <p:cNvPr id="9" name="Rectangle 8"/>
+            <p:cNvSpPr/>
+            <p:nvPr/>
+          </p:nvSpPr>
+          <p:spPr>
+            <a:xfrm>
+              <a:off x="2052191" y="5514100"/>
+              <a:ext cx="6096000" cy="3970318"/>
+            </a:xfrm>
+            <a:prstGeom prst="rect">
+              <a:avLst/>
+            </a:prstGeom>
+          </p:spPr>
+          <p:txBody>
+            <a:bodyPr>
+              <a:spAutoFit/>
+            </a:bodyPr>
+            <a:lstStyle/>
+            <a:p>
+              <a:r>
+                <a:rPr lang="en-AU" sz="1400" b="1" dirty="0" smtClean="0"/>
+                <a:t>lm(formula = </a:t>
+              </a:r>
+              <a:r>
+                <a:rPr lang="en-AU" sz="1400" b="1" dirty="0" err="1" smtClean="0"/>
+                <a:t>LMA_mean</a:t>
+              </a:r>
+              <a:r>
+                <a:rPr lang="en-AU" sz="1400" b="1" dirty="0" smtClean="0"/>
+                <a:t> ~ </a:t>
+              </a:r>
+              <a:r>
+                <a:rPr lang="en-AU" sz="1400" b="1" dirty="0" err="1" smtClean="0"/>
+                <a:t>tavg</a:t>
+              </a:r>
+              <a:r>
+                <a:rPr lang="en-AU" sz="1400" b="1" dirty="0" smtClean="0"/>
+                <a:t> * log10prec, data = data)</a:t>
+              </a:r>
+            </a:p>
+            <a:p>
+              <a:endParaRPr lang="en-AU" sz="1400" dirty="0" smtClean="0"/>
+            </a:p>
+            <a:p>
+              <a:r>
+                <a:rPr lang="en-AU" sz="1400" dirty="0" smtClean="0"/>
+                <a:t>Residuals:</a:t>
+              </a:r>
+            </a:p>
+            <a:p>
+              <a:r>
+                <a:rPr lang="en-AU" sz="1400" dirty="0" smtClean="0"/>
+                <a:t>   Min     1Q Median     3Q    Max </a:t>
+              </a:r>
+            </a:p>
+            <a:p>
+              <a:r>
+                <a:rPr lang="en-AU" sz="1400" dirty="0" smtClean="0"/>
+                <a:t>-64.49 -35.49 -11.89  45.37 101.53 </a:t>
+              </a:r>
+            </a:p>
+            <a:p>
+              <a:endParaRPr lang="en-AU" sz="1400" dirty="0" smtClean="0"/>
+            </a:p>
+            <a:p>
+              <a:r>
+                <a:rPr lang="en-AU" sz="1400" dirty="0" smtClean="0"/>
+                <a:t>Coefficients:</a:t>
+              </a:r>
+            </a:p>
+            <a:p>
+              <a:r>
+                <a:rPr lang="en-AU" sz="1400" dirty="0" smtClean="0"/>
+                <a:t>               Estimate Std. Error t value </a:t>
+              </a:r>
+              <a:r>
+                <a:rPr lang="en-AU" sz="1400" dirty="0" err="1" smtClean="0"/>
+                <a:t>Pr</a:t>
+              </a:r>
+              <a:r>
+                <a:rPr lang="en-AU" sz="1400" dirty="0" smtClean="0"/>
+                <a:t>(&gt;|t|)    </a:t>
+              </a:r>
+            </a:p>
+            <a:p>
+              <a:r>
+                <a:rPr lang="en-AU" sz="1400" dirty="0" smtClean="0"/>
+                <a:t>(Intercept)     330.483     27.313  12.100 1.76e-13 ***</a:t>
+              </a:r>
+            </a:p>
+            <a:p>
+              <a:r>
+                <a:rPr lang="en-AU" sz="1400" dirty="0" err="1" smtClean="0"/>
+                <a:t>tavg</a:t>
+              </a:r>
+              <a:r>
+                <a:rPr lang="en-AU" sz="1400" dirty="0" smtClean="0"/>
+                <a:t>             -4.115      1.446  -2.846  0.00767 ** </a:t>
+              </a:r>
+            </a:p>
+            <a:p>
+              <a:r>
+                <a:rPr lang="en-AU" sz="1400" dirty="0" smtClean="0"/>
+                <a:t>log10prec       241.291    137.396   1.756  0.08863 .  </a:t>
+              </a:r>
+            </a:p>
+            <a:p>
+              <a:r>
+                <a:rPr lang="en-AU" sz="1400" dirty="0" smtClean="0"/>
+                <a:t>tavg:log10prec  -17.996      6.805  -2.645  0.01257 *  </a:t>
+              </a:r>
+            </a:p>
+            <a:p>
+              <a:r>
+                <a:rPr lang="en-AU" sz="1400" dirty="0" smtClean="0"/>
+                <a:t>---</a:t>
+              </a:r>
+            </a:p>
+            <a:p>
+              <a:r>
+                <a:rPr lang="en-AU" sz="1400" dirty="0" err="1" smtClean="0"/>
+                <a:t>Signif</a:t>
+              </a:r>
+              <a:r>
+                <a:rPr lang="en-AU" sz="1400" dirty="0" smtClean="0"/>
+                <a:t>. codes:  0 ‘***’ 0.001 ‘**’ 0.01 ‘*’ 0.05 ‘.’ 0.1 ‘ ’ 1</a:t>
+              </a:r>
+            </a:p>
+            <a:p>
+              <a:endParaRPr lang="en-AU" sz="1400" dirty="0" smtClean="0"/>
+            </a:p>
+            <a:p>
+              <a:r>
+                <a:rPr lang="en-AU" sz="1400" dirty="0" smtClean="0"/>
+                <a:t>Residual standard error: 50.47 on 32 degrees of freedom</a:t>
+              </a:r>
+            </a:p>
+            <a:p>
+              <a:r>
+                <a:rPr lang="en-AU" sz="1400" dirty="0" smtClean="0"/>
+                <a:t>Multiple R-squared:  0.4525,	Adjusted R-squared:  0.4012 </a:t>
+              </a:r>
+            </a:p>
+            <a:p>
+              <a:r>
+                <a:rPr lang="en-AU" sz="1400" dirty="0" smtClean="0"/>
+                <a:t>F-statistic: 8.816 on 3 and 32 DF,  p-value: 0.0002095</a:t>
+              </a:r>
+              <a:endParaRPr lang="en-AU" sz="1400" dirty="0"/>
+            </a:p>
+          </p:txBody>
+        </p:sp>
+        <p:sp>
+          <p:nvSpPr>
+            <p:cNvPr id="11" name="TextBox 10"/>
+            <p:cNvSpPr txBox="1"/>
+            <p:nvPr/>
+          </p:nvSpPr>
+          <p:spPr>
+            <a:xfrm>
+              <a:off x="3026229" y="-4833257"/>
+              <a:ext cx="1727200" cy="369332"/>
+            </a:xfrm>
+            <a:prstGeom prst="rect">
+              <a:avLst/>
+            </a:prstGeom>
+            <a:noFill/>
+          </p:spPr>
+          <p:txBody>
+            <a:bodyPr wrap="square" rtlCol="0">
+              <a:spAutoFit/>
+            </a:bodyPr>
+            <a:lstStyle/>
+            <a:p>
+              <a:r>
+                <a:rPr lang="en-AU" b="1" dirty="0" smtClean="0"/>
+                <a:t>CALVIN CYCLE</a:t>
+              </a:r>
+              <a:endParaRPr lang="en-AU" b="1" dirty="0"/>
+            </a:p>
+          </p:txBody>
+        </p:sp>
+      </p:grpSp>
+      <p:sp>
+        <p:nvSpPr>
+          <p:cNvPr id="12" name="TextBox 11"/>
+          <p:cNvSpPr txBox="1"/>
+          <p:nvPr/>
+        </p:nvSpPr>
+        <p:spPr>
+          <a:xfrm>
+            <a:off x="10508343" y="-4833257"/>
+            <a:ext cx="1727200" cy="369332"/>
+          </a:xfrm>
+          <a:prstGeom prst="rect">
+            <a:avLst/>
+          </a:prstGeom>
+          <a:noFill/>
+        </p:spPr>
+        <p:txBody>
+          <a:bodyPr wrap="square" rtlCol="0">
+            <a:spAutoFit/>
+          </a:bodyPr>
+          <a:lstStyle/>
+          <a:p>
+            <a:r>
+              <a:rPr lang="en-AU" b="1" dirty="0" smtClean="0"/>
+              <a:t>PHOTOSYSTEMS</a:t>
+            </a:r>
+            <a:endParaRPr lang="en-AU" b="1" dirty="0"/>
+          </a:p>
+        </p:txBody>
+      </p:sp>
+      <p:sp>
+        <p:nvSpPr>
+          <p:cNvPr id="14" name="TextBox 13"/>
+          <p:cNvSpPr txBox="1"/>
+          <p:nvPr/>
+        </p:nvSpPr>
+        <p:spPr>
+          <a:xfrm>
+            <a:off x="9042400" y="-3338286"/>
+            <a:ext cx="8621486" cy="3970318"/>
+          </a:xfrm>
+          <a:prstGeom prst="rect">
+            <a:avLst/>
+          </a:prstGeom>
+          <a:noFill/>
+        </p:spPr>
+        <p:txBody>
+          <a:bodyPr wrap="square" rtlCol="0">
+            <a:spAutoFit/>
+          </a:bodyPr>
+          <a:lstStyle/>
+          <a:p>
+            <a:r>
+              <a:rPr lang="en-AU" sz="1400" b="1" dirty="0"/>
               <a:t>lm(formula = </a:t>
             </a:r>
             <a:r>
-              <a:rPr lang="en-AU" sz="1400" b="1" dirty="0" err="1" smtClean="0"/>
-              <a:t>leaf_protein_content_calv</a:t>
-            </a:r>
-            <a:r>
-              <a:rPr lang="en-AU" sz="1400" b="1" dirty="0" smtClean="0"/>
-              <a:t> ~ log10prec * </a:t>
-            </a:r>
-            <a:r>
-              <a:rPr lang="en-AU" sz="1400" b="1" dirty="0" err="1" smtClean="0"/>
+              <a:rPr lang="en-AU" sz="1400" b="1" dirty="0" err="1"/>
+              <a:t>phot_mean</a:t>
+            </a:r>
+            <a:r>
+              <a:rPr lang="en-AU" sz="1400" b="1" dirty="0"/>
+              <a:t> ~ </a:t>
+            </a:r>
+            <a:r>
+              <a:rPr lang="en-AU" sz="1400" b="1" dirty="0" err="1"/>
               <a:t>tavg</a:t>
             </a:r>
             <a:r>
-              <a:rPr lang="en-AU" sz="1400" b="1" dirty="0" smtClean="0"/>
-              <a:t>, data = data)</a:t>
-            </a:r>
-          </a:p>
-          <a:p>
-            <a:endParaRPr lang="en-AU" sz="1400" dirty="0" smtClean="0"/>
-          </a:p>
-          <a:p>
-            <a:r>
-              <a:rPr lang="en-AU" sz="1400" dirty="0" smtClean="0"/>
+              <a:rPr lang="en-AU" sz="1400" b="1" dirty="0"/>
+              <a:t> * log10prec, data = data)</a:t>
+            </a:r>
+          </a:p>
+          <a:p>
+            <a:endParaRPr lang="en-AU" sz="1400" dirty="0"/>
+          </a:p>
+          <a:p>
+            <a:r>
+              <a:rPr lang="en-AU" sz="1400" dirty="0"/>
               <a:t>Residuals:</a:t>
             </a:r>
           </a:p>
           <a:p>
             <a:r>
-              <a:rPr lang="en-AU" sz="1400" dirty="0" smtClean="0"/>
-              <a:t>      Min        1Q    Median        3Q       Max </a:t>
-            </a:r>
-          </a:p>
-          <a:p>
-            <a:r>
-              <a:rPr lang="en-AU" sz="1400" dirty="0" smtClean="0"/>
-              <a:t>-0.018048 -0.005486  0.001328  0.004718  0.016360 </a:t>
-            </a:r>
-          </a:p>
-          <a:p>
-            <a:endParaRPr lang="en-AU" sz="1400" dirty="0" smtClean="0"/>
-          </a:p>
-          <a:p>
-            <a:r>
-              <a:rPr lang="en-AU" sz="1400" dirty="0" smtClean="0"/>
+              <a:rPr lang="en-AU" sz="1400" dirty="0"/>
+              <a:t>    Min      1Q  Median      3Q     Max </a:t>
+            </a:r>
+          </a:p>
+          <a:p>
+            <a:r>
+              <a:rPr lang="en-AU" sz="1400" dirty="0"/>
+              <a:t>-1382.1  -752.0  -150.9   341.2  2214.5 </a:t>
+            </a:r>
+          </a:p>
+          <a:p>
+            <a:endParaRPr lang="en-AU" sz="1400" dirty="0"/>
+          </a:p>
+          <a:p>
+            <a:r>
+              <a:rPr lang="en-AU" sz="1400" dirty="0"/>
               <a:t>Coefficients:</a:t>
             </a:r>
           </a:p>
           <a:p>
             <a:r>
-              <a:rPr lang="en-AU" sz="1400" dirty="0" smtClean="0"/>
-              <a:t>                 Estimate Std. Error t value </a:t>
-            </a:r>
-            <a:r>
-              <a:rPr lang="en-AU" sz="1400" dirty="0" err="1" smtClean="0"/>
+              <a:rPr lang="en-AU" sz="1400" dirty="0"/>
+              <a:t>               Estimate Std. Error t value </a:t>
+            </a:r>
+            <a:r>
+              <a:rPr lang="en-AU" sz="1400" dirty="0" err="1"/>
               <a:t>Pr</a:t>
             </a:r>
             <a:r>
-              <a:rPr lang="en-AU" sz="1400" dirty="0" smtClean="0"/>
+              <a:rPr lang="en-AU" sz="1400" dirty="0"/>
               <a:t>(&gt;|t|)    </a:t>
             </a:r>
           </a:p>
           <a:p>
             <a:r>
-              <a:rPr lang="en-AU" sz="1400" dirty="0" smtClean="0"/>
-              <a:t>(Intercept)     0.0448830  0.0044311  10.129 1.66e-11 ***</a:t>
-            </a:r>
-          </a:p>
-          <a:p>
-            <a:r>
-              <a:rPr lang="en-AU" sz="1400" dirty="0" smtClean="0"/>
-              <a:t>log10prec      -0.0712276  0.0222904  -3.195  0.00313 ** </a:t>
-            </a:r>
-          </a:p>
-          <a:p>
-            <a:r>
-              <a:rPr lang="en-AU" sz="1400" dirty="0" err="1" smtClean="0"/>
+              <a:rPr lang="en-AU" sz="1400" dirty="0"/>
+              <a:t>(Intercept)     6754.61     538.63  12.540 6.81e-14 ***</a:t>
+            </a:r>
+          </a:p>
+          <a:p>
+            <a:r>
+              <a:rPr lang="en-AU" sz="1400" dirty="0" err="1"/>
               <a:t>tavg</a:t>
             </a:r>
             <a:r>
-              <a:rPr lang="en-AU" sz="1400" dirty="0" smtClean="0"/>
-              <a:t>           -0.0003274  0.0002346  -1.395  0.17257    </a:t>
-            </a:r>
-          </a:p>
-          <a:p>
-            <a:r>
-              <a:rPr lang="en-AU" sz="1400" dirty="0" smtClean="0"/>
-              <a:t>log10prec:tavg  0.0037685  0.0011040   3.414  0.00176 ** </a:t>
-            </a:r>
-          </a:p>
-          <a:p>
-            <a:r>
-              <a:rPr lang="en-AU" sz="1400" dirty="0" smtClean="0"/>
+              <a:rPr lang="en-AU" sz="1400" dirty="0"/>
+              <a:t>            -124.75      28.52  -4.374 0.000121 ***</a:t>
+            </a:r>
+          </a:p>
+          <a:p>
+            <a:r>
+              <a:rPr lang="en-AU" sz="1400" dirty="0"/>
+              <a:t>log10prec      -8038.56    2709.54  -2.967 0.005654 ** </a:t>
+            </a:r>
+          </a:p>
+          <a:p>
+            <a:r>
+              <a:rPr lang="en-AU" sz="1400" dirty="0"/>
+              <a:t>tavg:log10prec   406.63     134.20   3.030 0.004809 ** </a:t>
+            </a:r>
+          </a:p>
+          <a:p>
+            <a:r>
+              <a:rPr lang="en-AU" sz="1400" dirty="0"/>
               <a:t>---</a:t>
             </a:r>
           </a:p>
           <a:p>
             <a:r>
-              <a:rPr lang="en-AU" sz="1400" dirty="0" err="1" smtClean="0"/>
+              <a:rPr lang="en-AU" sz="1400" dirty="0" err="1"/>
               <a:t>Signif</a:t>
             </a:r>
             <a:r>
-              <a:rPr lang="en-AU" sz="1400" dirty="0" smtClean="0"/>
+              <a:rPr lang="en-AU" sz="1400" dirty="0"/>
               <a:t>. codes:  0 ‘***’ 0.001 ‘**’ 0.01 ‘*’ 0.05 ‘.’ 0.1 ‘ ’ 1</a:t>
             </a:r>
           </a:p>
           <a:p>
-            <a:endParaRPr lang="en-AU" sz="1400" dirty="0" smtClean="0"/>
-          </a:p>
-          <a:p>
-            <a:r>
-              <a:rPr lang="en-AU" sz="1400" dirty="0" smtClean="0"/>
-              <a:t>Residual standard error: 0.008189 on 32 degrees of freedom</a:t>
-            </a:r>
-          </a:p>
-          <a:p>
-            <a:r>
-              <a:rPr lang="en-AU" sz="1400" dirty="0" smtClean="0"/>
-              <a:t>Multiple R-squared:  0.3135,	Adjusted R-squared:  0.2491 </a:t>
-            </a:r>
-          </a:p>
-          <a:p>
-            <a:r>
-              <a:rPr lang="en-AU" sz="1400" dirty="0" smtClean="0"/>
-              <a:t>F-statistic: 4.871 on 3 and 32 DF,  p-value: 0.006679</a:t>
-            </a:r>
             <a:endParaRPr lang="en-AU" sz="1400" dirty="0"/>
           </a:p>
-        </p:txBody>
-      </p:sp>
-      <p:sp>
-        <p:nvSpPr>
-          <p:cNvPr id="9" name="Rectangle 8"/>
+          <a:p>
+            <a:r>
+              <a:rPr lang="en-AU" sz="1400" dirty="0"/>
+              <a:t>Residual standard error: 995.4 on 32 degrees of freedom</a:t>
+            </a:r>
+          </a:p>
+          <a:p>
+            <a:r>
+              <a:rPr lang="en-AU" sz="1400" dirty="0"/>
+              <a:t>Multiple R-squared:  0.4896,	Adjusted R-squared:  0.4418 </a:t>
+            </a:r>
+          </a:p>
+          <a:p>
+            <a:r>
+              <a:rPr lang="en-AU" sz="1400" dirty="0"/>
+              <a:t>F-statistic: 10.23 on 3 and 32 DF,  p-value: 7.057e-05</a:t>
+            </a:r>
+          </a:p>
+        </p:txBody>
+      </p:sp>
+      <p:sp>
+        <p:nvSpPr>
+          <p:cNvPr id="16" name="Rectangle 15"/>
           <p:cNvSpPr/>
           <p:nvPr/>
         </p:nvSpPr>
         <p:spPr>
           <a:xfrm>
-            <a:off x="6377448" y="4977072"/>
+            <a:off x="9042400" y="5514100"/>
             <a:ext cx="6096000" cy="3970318"/>
           </a:xfrm>
           <a:prstGeom prst="rect">
